--- a/poster/poster.pptx
+++ b/poster/poster.pptx
@@ -216,10 +216,10 @@
                   <c:v>13.55178571428571</c:v>
                 </c:pt>
                 <c:pt idx="5">
-                  <c:v>27.2524423963133</c:v>
+                  <c:v>27.25244239631329</c:v>
                 </c:pt>
                 <c:pt idx="6">
-                  <c:v>20.26961669092672</c:v>
+                  <c:v>20.26961669092671</c:v>
                 </c:pt>
               </c:numCache>
             </c:numRef>
@@ -309,11 +309,11 @@
           <c:showBubbleSize val="0"/>
         </c:dLbls>
         <c:gapWidth val="150"/>
-        <c:axId val="488372024"/>
-        <c:axId val="423434056"/>
+        <c:axId val="755287720"/>
+        <c:axId val="755293176"/>
       </c:barChart>
       <c:catAx>
-        <c:axId val="488372024"/>
+        <c:axId val="755287720"/>
         <c:scaling>
           <c:orientation val="minMax"/>
         </c:scaling>
@@ -351,7 +351,7 @@
             <a:endParaRPr lang="en-US"/>
           </a:p>
         </c:txPr>
-        <c:crossAx val="423434056"/>
+        <c:crossAx val="755293176"/>
         <c:crosses val="autoZero"/>
         <c:auto val="1"/>
         <c:lblAlgn val="ctr"/>
@@ -359,7 +359,7 @@
         <c:noMultiLvlLbl val="0"/>
       </c:catAx>
       <c:valAx>
-        <c:axId val="423434056"/>
+        <c:axId val="755293176"/>
         <c:scaling>
           <c:orientation val="minMax"/>
         </c:scaling>
@@ -414,7 +414,7 @@
             <a:endParaRPr lang="en-US"/>
           </a:p>
         </c:txPr>
-        <c:crossAx val="488372024"/>
+        <c:crossAx val="755287720"/>
         <c:crosses val="autoZero"/>
         <c:crossBetween val="between"/>
       </c:valAx>
@@ -1015,11 +1015,11 @@
           <c:showBubbleSize val="0"/>
         </c:dLbls>
         <c:gapWidth val="150"/>
-        <c:axId val="2989752"/>
-        <c:axId val="2912600"/>
+        <c:axId val="665499720"/>
+        <c:axId val="659067528"/>
       </c:barChart>
       <c:catAx>
-        <c:axId val="2989752"/>
+        <c:axId val="665499720"/>
         <c:scaling>
           <c:orientation val="minMax"/>
         </c:scaling>
@@ -1064,7 +1064,7 @@
             <a:endParaRPr lang="en-US"/>
           </a:p>
         </c:txPr>
-        <c:crossAx val="2912600"/>
+        <c:crossAx val="659067528"/>
         <c:crosses val="autoZero"/>
         <c:auto val="1"/>
         <c:lblAlgn val="ctr"/>
@@ -1072,7 +1072,7 @@
         <c:noMultiLvlLbl val="0"/>
       </c:catAx>
       <c:valAx>
-        <c:axId val="2912600"/>
+        <c:axId val="659067528"/>
         <c:scaling>
           <c:orientation val="minMax"/>
         </c:scaling>
@@ -1112,7 +1112,7 @@
             <a:endParaRPr lang="en-US"/>
           </a:p>
         </c:txPr>
-        <c:crossAx val="2989752"/>
+        <c:crossAx val="665499720"/>
         <c:crosses val="autoZero"/>
         <c:crossBetween val="between"/>
       </c:valAx>
@@ -1450,7 +1450,7 @@
                   <c:v>15.69670212765958</c:v>
                 </c:pt>
                 <c:pt idx="1">
-                  <c:v>33.35869491525419</c:v>
+                  <c:v>33.35869491525418</c:v>
                 </c:pt>
                 <c:pt idx="2">
                   <c:v>28.20528130671508</c:v>
@@ -1459,7 +1459,7 @@
                   <c:v>13.46600790513834</c:v>
                 </c:pt>
                 <c:pt idx="4">
-                  <c:v>35.77166666666656</c:v>
+                  <c:v>35.77166666666654</c:v>
                 </c:pt>
                 <c:pt idx="5">
                   <c:v>6.035</c:v>
@@ -1654,7 +1654,7 @@
                   <c:v>15.92442143411856</c:v>
                 </c:pt>
                 <c:pt idx="2">
-                  <c:v>9.531085489313769</c:v>
+                  <c:v>9.531085489313767</c:v>
                 </c:pt>
                 <c:pt idx="3">
                   <c:v>9.513943787642161</c:v>
@@ -1678,11 +1678,11 @@
           <c:showBubbleSize val="0"/>
         </c:dLbls>
         <c:gapWidth val="150"/>
-        <c:axId val="446736552"/>
-        <c:axId val="447360632"/>
+        <c:axId val="755176488"/>
+        <c:axId val="540813768"/>
       </c:barChart>
       <c:catAx>
-        <c:axId val="446736552"/>
+        <c:axId val="755176488"/>
         <c:scaling>
           <c:orientation val="minMax"/>
         </c:scaling>
@@ -1720,7 +1720,7 @@
             <a:endParaRPr lang="en-US"/>
           </a:p>
         </c:txPr>
-        <c:crossAx val="447360632"/>
+        <c:crossAx val="540813768"/>
         <c:crosses val="autoZero"/>
         <c:auto val="1"/>
         <c:lblAlgn val="ctr"/>
@@ -1728,7 +1728,7 @@
         <c:noMultiLvlLbl val="0"/>
       </c:catAx>
       <c:valAx>
-        <c:axId val="447360632"/>
+        <c:axId val="540813768"/>
         <c:scaling>
           <c:orientation val="minMax"/>
         </c:scaling>
@@ -1758,7 +1758,7 @@
         <c:majorTickMark val="out"/>
         <c:minorTickMark val="none"/>
         <c:tickLblPos val="nextTo"/>
-        <c:crossAx val="446736552"/>
+        <c:crossAx val="755176488"/>
         <c:crosses val="autoZero"/>
         <c:crossBetween val="between"/>
       </c:valAx>
@@ -2027,7 +2027,7 @@
           <a:p>
             <a:fld id="{7163B2BD-3AA0-6446-96E2-F09F19D9D3A5}" type="datetimeFigureOut">
               <a:rPr lang="en-US" smtClean="0"/>
-              <a:t>11/30/11</a:t>
+              <a:t>12/1/11</a:t>
             </a:fld>
             <a:endParaRPr lang="en-US"/>
           </a:p>
@@ -2560,7 +2560,7 @@
           <a:p>
             <a:fld id="{9FE1971C-C6A0-E34C-9043-1AC9BBE9BAEF}" type="datetimeFigureOut">
               <a:rPr lang="en-US" smtClean="0"/>
-              <a:t>11/30/11</a:t>
+              <a:t>12/1/11</a:t>
             </a:fld>
             <a:endParaRPr lang="en-US"/>
           </a:p>
@@ -2730,7 +2730,7 @@
           <a:p>
             <a:fld id="{9FE1971C-C6A0-E34C-9043-1AC9BBE9BAEF}" type="datetimeFigureOut">
               <a:rPr lang="en-US" smtClean="0"/>
-              <a:t>11/30/11</a:t>
+              <a:t>12/1/11</a:t>
             </a:fld>
             <a:endParaRPr lang="en-US"/>
           </a:p>
@@ -2910,7 +2910,7 @@
           <a:p>
             <a:fld id="{9FE1971C-C6A0-E34C-9043-1AC9BBE9BAEF}" type="datetimeFigureOut">
               <a:rPr lang="en-US" smtClean="0"/>
-              <a:t>11/30/11</a:t>
+              <a:t>12/1/11</a:t>
             </a:fld>
             <a:endParaRPr lang="en-US"/>
           </a:p>
@@ -3080,7 +3080,7 @@
           <a:p>
             <a:fld id="{9FE1971C-C6A0-E34C-9043-1AC9BBE9BAEF}" type="datetimeFigureOut">
               <a:rPr lang="en-US" smtClean="0"/>
-              <a:t>11/30/11</a:t>
+              <a:t>12/1/11</a:t>
             </a:fld>
             <a:endParaRPr lang="en-US"/>
           </a:p>
@@ -3326,7 +3326,7 @@
           <a:p>
             <a:fld id="{9FE1971C-C6A0-E34C-9043-1AC9BBE9BAEF}" type="datetimeFigureOut">
               <a:rPr lang="en-US" smtClean="0"/>
-              <a:t>11/30/11</a:t>
+              <a:t>12/1/11</a:t>
             </a:fld>
             <a:endParaRPr lang="en-US"/>
           </a:p>
@@ -3614,7 +3614,7 @@
           <a:p>
             <a:fld id="{9FE1971C-C6A0-E34C-9043-1AC9BBE9BAEF}" type="datetimeFigureOut">
               <a:rPr lang="en-US" smtClean="0"/>
-              <a:t>11/30/11</a:t>
+              <a:t>12/1/11</a:t>
             </a:fld>
             <a:endParaRPr lang="en-US"/>
           </a:p>
@@ -4036,7 +4036,7 @@
           <a:p>
             <a:fld id="{9FE1971C-C6A0-E34C-9043-1AC9BBE9BAEF}" type="datetimeFigureOut">
               <a:rPr lang="en-US" smtClean="0"/>
-              <a:t>11/30/11</a:t>
+              <a:t>12/1/11</a:t>
             </a:fld>
             <a:endParaRPr lang="en-US"/>
           </a:p>
@@ -4154,7 +4154,7 @@
           <a:p>
             <a:fld id="{9FE1971C-C6A0-E34C-9043-1AC9BBE9BAEF}" type="datetimeFigureOut">
               <a:rPr lang="en-US" smtClean="0"/>
-              <a:t>11/30/11</a:t>
+              <a:t>12/1/11</a:t>
             </a:fld>
             <a:endParaRPr lang="en-US"/>
           </a:p>
@@ -4249,7 +4249,7 @@
           <a:p>
             <a:fld id="{9FE1971C-C6A0-E34C-9043-1AC9BBE9BAEF}" type="datetimeFigureOut">
               <a:rPr lang="en-US" smtClean="0"/>
-              <a:t>11/30/11</a:t>
+              <a:t>12/1/11</a:t>
             </a:fld>
             <a:endParaRPr lang="en-US"/>
           </a:p>
@@ -4526,7 +4526,7 @@
           <a:p>
             <a:fld id="{9FE1971C-C6A0-E34C-9043-1AC9BBE9BAEF}" type="datetimeFigureOut">
               <a:rPr lang="en-US" smtClean="0"/>
-              <a:t>11/30/11</a:t>
+              <a:t>12/1/11</a:t>
             </a:fld>
             <a:endParaRPr lang="en-US"/>
           </a:p>
@@ -4779,7 +4779,7 @@
           <a:p>
             <a:fld id="{9FE1971C-C6A0-E34C-9043-1AC9BBE9BAEF}" type="datetimeFigureOut">
               <a:rPr lang="en-US" smtClean="0"/>
-              <a:t>11/30/11</a:t>
+              <a:t>12/1/11</a:t>
             </a:fld>
             <a:endParaRPr lang="en-US"/>
           </a:p>
@@ -4992,7 +4992,7 @@
           <a:p>
             <a:fld id="{9FE1971C-C6A0-E34C-9043-1AC9BBE9BAEF}" type="datetimeFigureOut">
               <a:rPr lang="en-US" smtClean="0"/>
-              <a:t>11/30/11</a:t>
+              <a:t>12/1/11</a:t>
             </a:fld>
             <a:endParaRPr lang="en-US"/>
           </a:p>
@@ -5496,14 +5496,7 @@
                 <a:latin typeface="Arial Narrow"/>
                 <a:cs typeface="Arial Narrow"/>
               </a:rPr>
-              <a:t> the criminal’s sentence with xx accuracy. </a:t>
-            </a:r>
-            <a:r>
-              <a:rPr lang="en-US" sz="3600" b="1" dirty="0" smtClean="0">
-                <a:latin typeface="Arial Narrow"/>
-                <a:cs typeface="Arial Narrow"/>
-              </a:rPr>
-              <a:t>”</a:t>
+              <a:t> the criminal’s sentence with xx accuracy. ”</a:t>
             </a:r>
             <a:endParaRPr lang="en-US" sz="3600" b="1" dirty="0">
               <a:latin typeface="Arial Narrow"/>
@@ -5536,21 +5529,21 @@
           <a:p>
             <a:r>
               <a:rPr lang="en-US" sz="15000" dirty="0">
-                <a:latin typeface="Baskerville Old Face"/>
-                <a:cs typeface="Baskerville Old Face"/>
+                <a:latin typeface="Constantia"/>
+                <a:cs typeface="Constantia"/>
               </a:rPr>
               <a:t>Predicting Criminal </a:t>
             </a:r>
             <a:r>
               <a:rPr lang="en-US" sz="15000" dirty="0" smtClean="0">
-                <a:latin typeface="Baskerville Old Face"/>
-                <a:cs typeface="Baskerville Old Face"/>
+                <a:latin typeface="Constantia"/>
+                <a:cs typeface="Constantia"/>
               </a:rPr>
               <a:t>Sentencing</a:t>
             </a:r>
             <a:endParaRPr lang="en-US" sz="15000" dirty="0">
-              <a:latin typeface="Baskerville Old Face"/>
-              <a:cs typeface="Baskerville Old Face"/>
+              <a:latin typeface="Constantia"/>
+              <a:cs typeface="Constantia"/>
             </a:endParaRPr>
           </a:p>
         </p:txBody>
@@ -5590,25 +5583,8 @@
                 <a:latin typeface="Eurostile"/>
                 <a:cs typeface="Eurostile"/>
               </a:rPr>
-              <a:t>Justin </a:t>
-            </a:r>
-            <a:r>
-              <a:rPr lang="en-US" sz="2800" dirty="0" smtClean="0">
-                <a:solidFill>
-                  <a:srgbClr val="FFFFFF"/>
-                </a:solidFill>
-                <a:latin typeface="Eurostile"/>
-                <a:cs typeface="Eurostile"/>
-              </a:rPr>
-              <a:t>Cheng jc882</a:t>
-            </a:r>
-            <a:endParaRPr lang="en-US" sz="2800" dirty="0" smtClean="0">
-              <a:solidFill>
-                <a:srgbClr val="FFFFFF"/>
-              </a:solidFill>
-              <a:latin typeface="Eurostile"/>
-              <a:cs typeface="Eurostile"/>
-            </a:endParaRPr>
+              <a:t>Justin Cheng jc882</a:t>
+            </a:r>
           </a:p>
           <a:p>
             <a:pPr algn="r"/>
@@ -5663,14 +5639,6 @@
               </a:rPr>
               <a:t> </a:t>
             </a:r>
-            <a:endParaRPr lang="en-US" sz="2800" dirty="0" smtClean="0">
-              <a:solidFill>
-                <a:srgbClr val="FFFFFF"/>
-              </a:solidFill>
-              <a:effectLst/>
-              <a:latin typeface="Eurostile"/>
-              <a:cs typeface="Eurostile"/>
-            </a:endParaRPr>
           </a:p>
           <a:p>
             <a:pPr algn="r"/>
@@ -5682,25 +5650,8 @@
                 <a:latin typeface="Eurostile"/>
                 <a:cs typeface="Eurostile"/>
               </a:rPr>
-              <a:t>Jane </a:t>
-            </a:r>
-            <a:r>
-              <a:rPr lang="en-US" sz="2800" dirty="0" smtClean="0">
-                <a:solidFill>
-                  <a:srgbClr val="FFFFFF"/>
-                </a:solidFill>
-                <a:latin typeface="Eurostile"/>
-                <a:cs typeface="Eurostile"/>
-              </a:rPr>
-              <a:t>Park jp624</a:t>
-            </a:r>
-            <a:endParaRPr lang="en-US" sz="2800" dirty="0" smtClean="0">
-              <a:solidFill>
-                <a:srgbClr val="FFFFFF"/>
-              </a:solidFill>
-              <a:latin typeface="Eurostile"/>
-              <a:cs typeface="Eurostile"/>
-            </a:endParaRPr>
+              <a:t>Jane Park jp624</a:t>
+            </a:r>
           </a:p>
         </p:txBody>
       </p:sp>
@@ -5973,21 +5924,7 @@
                 <a:latin typeface="Arial"/>
                 <a:cs typeface="Arial"/>
               </a:rPr>
-              <a:t>Human judges use a combination of objective knowledge of law and some subjectiv</a:t>
-            </a:r>
-            <a:r>
-              <a:rPr lang="en-US" sz="2400" dirty="0" smtClean="0">
-                <a:latin typeface="Arial"/>
-                <a:cs typeface="Arial"/>
-              </a:rPr>
-              <a:t>e judgment to determine a criminal’s sentence. </a:t>
-            </a:r>
-            <a:r>
-              <a:rPr lang="en-US" sz="2400" dirty="0" smtClean="0">
-                <a:latin typeface="Arial"/>
-                <a:cs typeface="Arial"/>
-              </a:rPr>
-              <a:t>We use machine learning techniques learned in class to create a predictor for criminal sentences using the Pennsylvania sentencing data from 1998. From these predictors, we determine the most critical factors involved in criminal sentencing. </a:t>
+              <a:t>Human judges use a combination of objective knowledge of law and some subjective judgment to determine a criminal’s sentence. We use machine learning techniques learned in class to create a predictor for criminal sentences using the Pennsylvania sentencing data from 1998. From these predictors, we determine the most critical factors involved in criminal sentencing. </a:t>
             </a:r>
             <a:endParaRPr lang="en-US" sz="2400" dirty="0">
               <a:latin typeface="Arial"/>
@@ -6260,10 +6197,6 @@
               </a:rPr>
               <a:t>2002.</a:t>
             </a:r>
-            <a:endParaRPr lang="en-US" sz="2400" dirty="0">
-              <a:latin typeface="Arial"/>
-              <a:cs typeface="Arial"/>
-            </a:endParaRPr>
           </a:p>
         </p:txBody>
       </p:sp>
@@ -6330,21 +6263,7 @@
                 <a:latin typeface="Arial"/>
                 <a:cs typeface="Arial"/>
               </a:rPr>
-              <a:t>We will repeat our experiments using varying subsets of variables, and include more variables </a:t>
-            </a:r>
-            <a:r>
-              <a:rPr lang="en-US" sz="2400" dirty="0" smtClean="0">
-                <a:latin typeface="Arial"/>
-                <a:cs typeface="Arial"/>
-              </a:rPr>
-              <a:t>describing aspects of the criminal, offense, and trial </a:t>
-            </a:r>
-            <a:r>
-              <a:rPr lang="en-US" sz="2400" dirty="0" smtClean="0">
-                <a:latin typeface="Arial"/>
-                <a:cs typeface="Arial"/>
-              </a:rPr>
-              <a:t>that we have not incorporated yet.</a:t>
+              <a:t>We will repeat our experiments using varying subsets of variables, and include more variables describing aspects of the criminal, offense, and trial that we have not incorporated yet.</a:t>
             </a:r>
             <a:endParaRPr lang="en-US" sz="2400" dirty="0">
               <a:latin typeface="Arial"/>
@@ -6738,10 +6657,6 @@
               </a:rPr>
               <a:t>the judges are making purely objective decisions, is it possible to reverse-engineer parts of the law by looking at the sentences that criminals received? </a:t>
             </a:r>
-            <a:endParaRPr lang="en-US" sz="2400" dirty="0">
-              <a:latin typeface="Arial"/>
-              <a:cs typeface="Arial"/>
-            </a:endParaRPr>
           </a:p>
         </p:txBody>
       </p:sp>
@@ -6802,10 +6717,6 @@
               </a:rPr>
               <a:t>Label being predicted: INCMIN (minimum incarceration time)</a:t>
             </a:r>
-            <a:endParaRPr lang="en-US" sz="2400" dirty="0" smtClean="0">
-              <a:latin typeface="Arial"/>
-              <a:cs typeface="Arial"/>
-            </a:endParaRPr>
           </a:p>
           <a:p>
             <a:pPr marL="457200" indent="-457200">
